--- a/Local .NET Conf.pptx
+++ b/Local .NET Conf.pptx
@@ -747,6 +747,90 @@
 </file>
 
 <file path=ppt/notesSlides/notesSlide12.xml><?xml version="1.0" encoding="utf-8"?>
+<p:notes xmlns:a="http://schemas.openxmlformats.org/drawingml/2006/main" xmlns:r="http://schemas.openxmlformats.org/officeDocument/2006/relationships" xmlns:p="http://schemas.openxmlformats.org/presentationml/2006/main">
+  <p:cSld>
+    <p:spTree>
+      <p:nvGrpSpPr>
+        <p:cNvPr id="1" name=""/>
+        <p:cNvGrpSpPr/>
+        <p:nvPr/>
+      </p:nvGrpSpPr>
+      <p:grpSpPr>
+        <a:xfrm>
+          <a:off x="0" y="0"/>
+          <a:ext cx="0" cy="0"/>
+          <a:chOff x="0" y="0"/>
+          <a:chExt cx="0" cy="0"/>
+        </a:xfrm>
+      </p:grpSpPr>
+      <p:sp>
+        <p:nvSpPr>
+          <p:cNvPr id="2" name="Slide Image Placeholder 1"/>
+          <p:cNvSpPr>
+            <a:spLocks noGrp="1" noRot="1" noChangeAspect="1"/>
+          </p:cNvSpPr>
+          <p:nvPr>
+            <p:ph type="sldImg"/>
+          </p:nvPr>
+        </p:nvSpPr>
+        <p:spPr/>
+      </p:sp>
+      <p:sp>
+        <p:nvSpPr>
+          <p:cNvPr id="3" name="Notes Placeholder 2"/>
+          <p:cNvSpPr>
+            <a:spLocks noGrp="1"/>
+          </p:cNvSpPr>
+          <p:nvPr>
+            <p:ph type="body" idx="1"/>
+          </p:nvPr>
+        </p:nvSpPr>
+        <p:spPr/>
+        <p:txBody>
+          <a:bodyPr/>
+          <a:lstStyle/>
+          <a:p>
+            <a:endParaRPr lang="en-US" dirty="0"/>
+          </a:p>
+        </p:txBody>
+      </p:sp>
+      <p:sp>
+        <p:nvSpPr>
+          <p:cNvPr id="4" name="Slide Number Placeholder 3"/>
+          <p:cNvSpPr>
+            <a:spLocks noGrp="1"/>
+          </p:cNvSpPr>
+          <p:nvPr>
+            <p:ph type="sldNum" sz="quarter" idx="5"/>
+          </p:nvPr>
+        </p:nvSpPr>
+        <p:spPr/>
+        <p:txBody>
+          <a:bodyPr/>
+          <a:lstStyle/>
+          <a:p>
+            <a:fld id="{E0AE778D-2A57-4226-B72B-26EA3CA60131}" type="slidenum">
+              <a:rPr lang="en-US" smtClean="0"/>
+              <a:t>30</a:t>
+            </a:fld>
+            <a:endParaRPr lang="en-US"/>
+          </a:p>
+        </p:txBody>
+      </p:sp>
+    </p:spTree>
+    <p:extLst>
+      <p:ext uri="{BB962C8B-B14F-4D97-AF65-F5344CB8AC3E}">
+        <p14:creationId xmlns:p14="http://schemas.microsoft.com/office/powerpoint/2010/main" val="377691156"/>
+      </p:ext>
+    </p:extLst>
+  </p:cSld>
+  <p:clrMapOvr>
+    <a:masterClrMapping/>
+  </p:clrMapOvr>
+</p:notes>
+</file>
+
+<file path=ppt/notesSlides/notesSlide13.xml><?xml version="1.0" encoding="utf-8"?>
 <p:notes xmlns:a="http://schemas.openxmlformats.org/drawingml/2006/main" xmlns:r="http://schemas.openxmlformats.org/officeDocument/2006/relationships" xmlns:p="http://schemas.openxmlformats.org/presentationml/2006/main">
   <p:cSld>
     <p:spTree>
@@ -13114,7 +13198,7 @@
         <p:spPr>
           <a:xfrm>
             <a:off x="269239" y="1189177"/>
-            <a:ext cx="11653523" cy="5219891"/>
+            <a:ext cx="11653523" cy="5152180"/>
           </a:xfrm>
         </p:spPr>
         <p:txBody>
@@ -13130,14 +13214,10 @@
             <a:pPr lvl="1"/>
             <a:r>
               <a:rPr lang="en-US" sz="2000" dirty="0">
-                <a:hlinkClick r:id="rId2"/>
+                <a:hlinkClick r:id="rId3"/>
               </a:rPr>
               <a:t>https://docs.microsoft.com/dotnet/csharp/whats-new/csharp-8</a:t>
             </a:r>
-            <a:endParaRPr lang="en-US" sz="2000" dirty="0"/>
-          </a:p>
-          <a:p>
-            <a:pPr lvl="1"/>
             <a:endParaRPr lang="en-US" sz="2000" dirty="0"/>
           </a:p>
           <a:p>
@@ -13150,7 +13230,7 @@
             <a:pPr lvl="1"/>
             <a:r>
               <a:rPr lang="en-US" sz="2000" dirty="0">
-                <a:hlinkClick r:id="rId3"/>
+                <a:hlinkClick r:id="rId4"/>
               </a:rPr>
               <a:t>https://docs.microsoft.com/dotnet/core/whats-new/dotnet-core-3-0</a:t>
             </a:r>
@@ -13160,7 +13240,7 @@
             <a:pPr lvl="1"/>
             <a:r>
               <a:rPr lang="en-US" sz="2000" dirty="0">
-                <a:hlinkClick r:id="rId4"/>
+                <a:hlinkClick r:id="rId5"/>
               </a:rPr>
               <a:t>https://devblogs.microsoft.com/dotnet/announcing-net-core-3-0</a:t>
             </a:r>
@@ -13170,10 +13250,6 @@
             </a:r>
           </a:p>
           <a:p>
-            <a:pPr lvl="1"/>
-            <a:endParaRPr lang="en-US" sz="2000" dirty="0"/>
-          </a:p>
-          <a:p>
             <a:r>
               <a:rPr lang="en-US" sz="3600" dirty="0"/>
               <a:t>ASP.NET Core 3.0</a:t>
@@ -13183,14 +13259,10 @@
             <a:pPr lvl="1"/>
             <a:r>
               <a:rPr lang="en-US" sz="2000" dirty="0">
-                <a:hlinkClick r:id="rId5"/>
+                <a:hlinkClick r:id="rId6"/>
               </a:rPr>
               <a:t>https://docs.microsoft.com/aspnet/core/release-notes/aspnetcore-3.0</a:t>
             </a:r>
-            <a:endParaRPr lang="en-US" sz="2000" dirty="0"/>
-          </a:p>
-          <a:p>
-            <a:pPr lvl="1"/>
             <a:endParaRPr lang="en-US" sz="2000" dirty="0"/>
           </a:p>
           <a:p>
@@ -13203,9 +13275,25 @@
             <a:pPr lvl="1"/>
             <a:r>
               <a:rPr lang="en-US" sz="2000" dirty="0">
-                <a:hlinkClick r:id="rId6"/>
+                <a:hlinkClick r:id="rId7"/>
               </a:rPr>
               <a:t>https://devblogs.microsoft.com/dotnet/announcing-net-standard-2-1</a:t>
+            </a:r>
+            <a:endParaRPr lang="en-US" sz="2000" dirty="0"/>
+          </a:p>
+          <a:p>
+            <a:r>
+              <a:rPr lang="en-US" sz="3568" dirty="0"/>
+              <a:t>Code &amp; Slides</a:t>
+            </a:r>
+          </a:p>
+          <a:p>
+            <a:pPr lvl="1"/>
+            <a:r>
+              <a:rPr lang="en-US" sz="2032" dirty="0">
+                <a:hlinkClick r:id="rId8"/>
+              </a:rPr>
+              <a:t>https://github.com/mattleibow/NewInCSharp8AndNETCore3</a:t>
             </a:r>
             <a:endParaRPr lang="en-US" sz="2000" dirty="0"/>
           </a:p>
@@ -16067,24 +16155,6 @@
 </file>
 
 <file path=customXml/item1.xml><?xml version="1.0" encoding="utf-8"?>
-<p:properties xmlns:p="http://schemas.microsoft.com/office/2006/metadata/properties" xmlns:xsi="http://www.w3.org/2001/XMLSchema-instance" xmlns:pc="http://schemas.microsoft.com/office/infopath/2007/PartnerControls">
-  <documentManagement>
-    <_ip_UnifiedCompliancePolicyProperties xmlns="http://schemas.microsoft.com/sharepoint/v3" xsi:nil="true"/>
-    <_ip_UnifiedCompliancePolicyUIAction xmlns="http://schemas.microsoft.com/sharepoint/v3" xsi:nil="true"/>
-    <LastSharedByUser xmlns="11245976-3b4d-4794-a754-317688483df2">jogallow@microsoft.com</LastSharedByUser>
-    <SharedWithUsers xmlns="11245976-3b4d-4794-a754-317688483df2">
-      <UserInfo>
-        <DisplayName>Martin Woodward</DisplayName>
-        <AccountId>67</AccountId>
-        <AccountType/>
-      </UserInfo>
-    </SharedWithUsers>
-    <LastSharedByTime xmlns="11245976-3b4d-4794-a754-317688483df2">2018-03-16T04:12:59+00:00</LastSharedByTime>
-  </documentManagement>
-</p:properties>
-</file>
-
-<file path=customXml/item2.xml><?xml version="1.0" encoding="utf-8"?>
 <ct:contentTypeSchema xmlns:ct="http://schemas.microsoft.com/office/2006/metadata/contentType" xmlns:ma="http://schemas.microsoft.com/office/2006/metadata/properties/metaAttributes" ct:_="" ma:_="" ma:contentTypeName="Document" ma:contentTypeID="0x01010022F88B0CCF1BBA489747F146E6B5E06D" ma:contentTypeVersion="11" ma:contentTypeDescription="Create a new document." ma:contentTypeScope="" ma:versionID="4679f38185fefde8b23806f702b522cc">
   <xsd:schema xmlns:xsd="http://www.w3.org/2001/XMLSchema" xmlns:xs="http://www.w3.org/2001/XMLSchema" xmlns:p="http://schemas.microsoft.com/office/2006/metadata/properties" xmlns:ns1="http://schemas.microsoft.com/sharepoint/v3" xmlns:ns2="569b343d-e775-480b-9b2b-6a6986deb9b0" xmlns:ns3="11245976-3b4d-4794-a754-317688483df2" targetNamespace="http://schemas.microsoft.com/office/2006/metadata/properties" ma:root="true" ma:fieldsID="366371b317520ec9a5ad3c1303c823ef" ns1:_="" ns2:_="" ns3:_="">
     <xsd:import namespace="http://schemas.microsoft.com/sharepoint/v3"/>
@@ -16298,6 +16368,24 @@
 </ct:contentTypeSchema>
 </file>
 
+<file path=customXml/item2.xml><?xml version="1.0" encoding="utf-8"?>
+<p:properties xmlns:p="http://schemas.microsoft.com/office/2006/metadata/properties" xmlns:xsi="http://www.w3.org/2001/XMLSchema-instance" xmlns:pc="http://schemas.microsoft.com/office/infopath/2007/PartnerControls">
+  <documentManagement>
+    <_ip_UnifiedCompliancePolicyProperties xmlns="http://schemas.microsoft.com/sharepoint/v3" xsi:nil="true"/>
+    <_ip_UnifiedCompliancePolicyUIAction xmlns="http://schemas.microsoft.com/sharepoint/v3" xsi:nil="true"/>
+    <LastSharedByUser xmlns="11245976-3b4d-4794-a754-317688483df2">jogallow@microsoft.com</LastSharedByUser>
+    <SharedWithUsers xmlns="11245976-3b4d-4794-a754-317688483df2">
+      <UserInfo>
+        <DisplayName>Martin Woodward</DisplayName>
+        <AccountId>67</AccountId>
+        <AccountType/>
+      </UserInfo>
+    </SharedWithUsers>
+    <LastSharedByTime xmlns="11245976-3b4d-4794-a754-317688483df2">2018-03-16T04:12:59+00:00</LastSharedByTime>
+  </documentManagement>
+</p:properties>
+</file>
+
 <file path=customXml/item3.xml><?xml version="1.0" encoding="utf-8"?>
 <?mso-contentType ?>
 <FormTemplates xmlns="http://schemas.microsoft.com/sharepoint/v3/contenttype/forms">
@@ -16308,24 +16396,6 @@
 </file>
 
 <file path=customXml/itemProps1.xml><?xml version="1.0" encoding="utf-8"?>
-<ds:datastoreItem xmlns:ds="http://schemas.openxmlformats.org/officeDocument/2006/customXml" ds:itemID="{D23E43D6-DB2F-4C33-A8C8-D28F777A5DE7}">
-  <ds:schemaRefs>
-    <ds:schemaRef ds:uri="http://purl.org/dc/elements/1.1/"/>
-    <ds:schemaRef ds:uri="http://schemas.microsoft.com/office/infopath/2007/PartnerControls"/>
-    <ds:schemaRef ds:uri="11245976-3b4d-4794-a754-317688483df2"/>
-    <ds:schemaRef ds:uri="http://schemas.microsoft.com/sharepoint/v3"/>
-    <ds:schemaRef ds:uri="http://schemas.microsoft.com/office/2006/metadata/properties"/>
-    <ds:schemaRef ds:uri="http://www.w3.org/XML/1998/namespace"/>
-    <ds:schemaRef ds:uri="http://purl.org/dc/dcmitype/"/>
-    <ds:schemaRef ds:uri="http://schemas.microsoft.com/office/2006/documentManagement/types"/>
-    <ds:schemaRef ds:uri="http://schemas.openxmlformats.org/package/2006/metadata/core-properties"/>
-    <ds:schemaRef ds:uri="569b343d-e775-480b-9b2b-6a6986deb9b0"/>
-    <ds:schemaRef ds:uri="http://purl.org/dc/terms/"/>
-  </ds:schemaRefs>
-</ds:datastoreItem>
-</file>
-
-<file path=customXml/itemProps2.xml><?xml version="1.0" encoding="utf-8"?>
 <ds:datastoreItem xmlns:ds="http://schemas.openxmlformats.org/officeDocument/2006/customXml" ds:itemID="{16E8CB18-CF19-487B-A6ED-834044BC878F}">
   <ds:schemaRefs>
     <ds:schemaRef ds:uri="http://schemas.microsoft.com/office/2006/metadata/contentType"/>
@@ -16345,6 +16415,24 @@
 </ds:datastoreItem>
 </file>
 
+<file path=customXml/itemProps2.xml><?xml version="1.0" encoding="utf-8"?>
+<ds:datastoreItem xmlns:ds="http://schemas.openxmlformats.org/officeDocument/2006/customXml" ds:itemID="{D23E43D6-DB2F-4C33-A8C8-D28F777A5DE7}">
+  <ds:schemaRefs>
+    <ds:schemaRef ds:uri="http://purl.org/dc/elements/1.1/"/>
+    <ds:schemaRef ds:uri="http://schemas.microsoft.com/office/infopath/2007/PartnerControls"/>
+    <ds:schemaRef ds:uri="11245976-3b4d-4794-a754-317688483df2"/>
+    <ds:schemaRef ds:uri="http://schemas.microsoft.com/sharepoint/v3"/>
+    <ds:schemaRef ds:uri="http://schemas.microsoft.com/office/2006/metadata/properties"/>
+    <ds:schemaRef ds:uri="http://www.w3.org/XML/1998/namespace"/>
+    <ds:schemaRef ds:uri="http://purl.org/dc/dcmitype/"/>
+    <ds:schemaRef ds:uri="http://schemas.microsoft.com/office/2006/documentManagement/types"/>
+    <ds:schemaRef ds:uri="http://schemas.openxmlformats.org/package/2006/metadata/core-properties"/>
+    <ds:schemaRef ds:uri="569b343d-e775-480b-9b2b-6a6986deb9b0"/>
+    <ds:schemaRef ds:uri="http://purl.org/dc/terms/"/>
+  </ds:schemaRefs>
+</ds:datastoreItem>
+</file>
+
 <file path=customXml/itemProps3.xml><?xml version="1.0" encoding="utf-8"?>
 <ds:datastoreItem xmlns:ds="http://schemas.openxmlformats.org/officeDocument/2006/customXml" ds:itemID="{093821A7-5528-48BE-BD00-067FBFDD28D5}">
   <ds:schemaRefs>
